--- a/docs/3.UbiGEM_납품절차.pptx
+++ b/docs/3.UbiGEM_납품절차.pptx
@@ -226,7 +226,7 @@
             <a:fld id="{C43168EB-180C-4C8E-A4AD-B005A604136D}" type="datetimeFigureOut">
               <a:rPr lang="ko-KR" altLang="en-US" smtClean="0"/>
               <a:pPr/>
-              <a:t>2023-01-12</a:t>
+              <a:t>2025-12-08</a:t>
             </a:fld>
             <a:endParaRPr lang="ko-KR" altLang="en-US"/>
           </a:p>
@@ -300,6 +300,11 @@
         </p:txBody>
       </p:sp>
     </p:spTree>
+    <p:extLst>
+      <p:ext uri="{BB962C8B-B14F-4D97-AF65-F5344CB8AC3E}">
+        <p14:creationId xmlns:p14="http://schemas.microsoft.com/office/powerpoint/2010/main" val="1"/>
+      </p:ext>
+    </p:extLst>
   </p:cSld>
   <p:clrMap bg1="lt1" tx1="dk1" bg2="lt2" tx2="dk2" accent1="accent1" accent2="accent2" accent3="accent3" accent4="accent4" accent5="accent5" accent6="accent6" hlink="hlink" folHlink="folHlink"/>
 </p:handoutMaster>
@@ -388,7 +393,7 @@
             <a:fld id="{8909FDEE-2644-4938-A880-A5626AC4D96B}" type="datetimeFigureOut">
               <a:rPr lang="ko-KR" altLang="en-US" smtClean="0"/>
               <a:pPr/>
-              <a:t>2023-01-12</a:t>
+              <a:t>2025-12-08</a:t>
             </a:fld>
             <a:endParaRPr lang="ko-KR" altLang="en-US"/>
           </a:p>
@@ -1880,118 +1885,217 @@
           <a:lstStyle/>
           <a:p>
             <a:r>
-              <a:rPr lang="en-US" altLang="ko-KR"/>
+              <a:rPr lang="en-US" altLang="ko-KR" dirty="0"/>
               <a:t>Software </a:t>
             </a:r>
             <a:r>
-              <a:rPr lang="ko-KR" altLang="en-US"/>
+              <a:rPr lang="ko-KR" altLang="en-US" dirty="0"/>
               <a:t>다운로드 경로</a:t>
             </a:r>
-            <a:endParaRPr lang="en-US" altLang="ko-KR"/>
+            <a:endParaRPr lang="en-US" altLang="ko-KR" dirty="0"/>
           </a:p>
           <a:p>
             <a:pPr lvl="1"/>
             <a:r>
-              <a:rPr lang="en-US" altLang="ko-KR"/>
-              <a:t>UbiGEM - http://www.ubisam.com - </a:t>
-            </a:r>
-            <a:r>
-              <a:rPr lang="ko-KR" altLang="en-US"/>
+              <a:rPr lang="en-US" altLang="ko-KR" dirty="0" err="1"/>
+              <a:t>UbiGEM</a:t>
+            </a:r>
+            <a:r>
+              <a:rPr lang="en-US" altLang="ko-KR" dirty="0"/>
+              <a:t> - http://www.ubisam.com – </a:t>
+            </a:r>
+            <a:r>
+              <a:rPr lang="ko-KR" altLang="en-US" dirty="0"/>
+              <a:t>커뮤니티 </a:t>
+            </a:r>
+            <a:r>
+              <a:rPr lang="en-US" altLang="ko-KR" dirty="0"/>
+              <a:t>– </a:t>
+            </a:r>
+            <a:r>
+              <a:rPr lang="ko-KR" altLang="en-US" dirty="0"/>
+              <a:t>자료실 </a:t>
+            </a:r>
+            <a:r>
+              <a:rPr lang="en-US" altLang="ko-KR" dirty="0"/>
+              <a:t>1</a:t>
+            </a:r>
+            <a:r>
+              <a:rPr lang="ko-KR" altLang="en-US" dirty="0"/>
+              <a:t>번 글</a:t>
+            </a:r>
+            <a:r>
+              <a:rPr lang="en-US" altLang="ko-KR" dirty="0"/>
+              <a:t>(</a:t>
+            </a:r>
+            <a:r>
+              <a:rPr lang="ko-KR" altLang="en-US" dirty="0"/>
+              <a:t>제목</a:t>
+            </a:r>
+            <a:r>
+              <a:rPr lang="en-US" altLang="ko-KR" dirty="0"/>
+              <a:t>: </a:t>
+            </a:r>
+            <a:r>
+              <a:rPr lang="en-US" altLang="ko-KR" b="0" i="0" dirty="0" err="1">
+                <a:solidFill>
+                  <a:srgbClr val="333333"/>
+                </a:solidFill>
+                <a:effectLst/>
+                <a:latin typeface="s-core_dream"/>
+              </a:rPr>
+              <a:t>ubiGEM</a:t>
+            </a:r>
+            <a:r>
+              <a:rPr lang="ko-KR" altLang="en-US" b="0" i="0" dirty="0">
+                <a:solidFill>
+                  <a:srgbClr val="333333"/>
+                </a:solidFill>
+                <a:effectLst/>
+                <a:latin typeface="s-core_dream"/>
+              </a:rPr>
+              <a:t>관련 </a:t>
+            </a:r>
+            <a:r>
+              <a:rPr lang="ko-KR" altLang="en-US" b="0" i="0" dirty="0" err="1">
+                <a:solidFill>
+                  <a:srgbClr val="333333"/>
+                </a:solidFill>
+                <a:effectLst/>
+                <a:latin typeface="s-core_dream"/>
+              </a:rPr>
+              <a:t>배포판</a:t>
+            </a:r>
+            <a:r>
+              <a:rPr lang="en-US" altLang="ko-KR" b="0" i="0" dirty="0">
+                <a:solidFill>
+                  <a:srgbClr val="333333"/>
+                </a:solidFill>
+                <a:effectLst/>
+                <a:latin typeface="s-core_dream"/>
+              </a:rPr>
+              <a:t>)</a:t>
+            </a:r>
+            <a:endParaRPr lang="en-US" altLang="ko-KR" dirty="0"/>
+          </a:p>
+          <a:p>
+            <a:pPr lvl="1"/>
+            <a:r>
+              <a:rPr lang="en-US" altLang="ko-KR" dirty="0" err="1"/>
+              <a:t>UbiGEM.PAC</a:t>
+            </a:r>
+            <a:r>
+              <a:rPr lang="en-US" altLang="ko-KR" dirty="0"/>
+              <a:t> - http://www.ubisam.com - </a:t>
+            </a:r>
+            <a:r>
+              <a:rPr lang="ko-KR" altLang="en-US" dirty="0"/>
               <a:t>고객지원 </a:t>
             </a:r>
             <a:r>
-              <a:rPr lang="en-US" altLang="ko-KR"/>
-              <a:t>- </a:t>
-            </a:r>
-            <a:r>
-              <a:rPr lang="ko-KR" altLang="en-US"/>
-              <a:t>자료실 </a:t>
-            </a:r>
-            <a:r>
-              <a:rPr lang="en-US" altLang="ko-KR"/>
-              <a:t>6</a:t>
-            </a:r>
-            <a:r>
-              <a:rPr lang="ko-KR" altLang="en-US"/>
-              <a:t>번 글</a:t>
-            </a:r>
-            <a:endParaRPr lang="en-US" altLang="ko-KR"/>
+              <a:rPr lang="en-US" altLang="ko-KR" dirty="0"/>
+              <a:t>– xxx </a:t>
+            </a:r>
+            <a:r>
+              <a:rPr lang="ko-KR" altLang="en-US" dirty="0"/>
+              <a:t>글 </a:t>
+            </a:r>
+            <a:r>
+              <a:rPr lang="en-US" altLang="ko-KR" dirty="0"/>
+              <a:t>(</a:t>
+            </a:r>
+            <a:r>
+              <a:rPr lang="ko-KR" altLang="en-US" dirty="0"/>
+              <a:t>홈 페이지 </a:t>
+            </a:r>
+            <a:r>
+              <a:rPr lang="en-US" altLang="ko-KR" dirty="0"/>
+              <a:t>renewal </a:t>
+            </a:r>
+            <a:r>
+              <a:rPr lang="ko-KR" altLang="en-US" dirty="0"/>
+              <a:t>중</a:t>
+            </a:r>
+            <a:r>
+              <a:rPr lang="en-US" altLang="ko-KR" dirty="0"/>
+              <a:t>)</a:t>
+            </a:r>
           </a:p>
           <a:p>
             <a:pPr lvl="1"/>
-            <a:r>
-              <a:rPr lang="en-US" altLang="ko-KR"/>
-              <a:t>UbiGEM.PAC - http://www.ubisam.com - </a:t>
-            </a:r>
-            <a:r>
-              <a:rPr lang="ko-KR" altLang="en-US"/>
-              <a:t>고객지원 </a:t>
-            </a:r>
-            <a:r>
-              <a:rPr lang="en-US" altLang="ko-KR"/>
-              <a:t>- </a:t>
-            </a:r>
-            <a:r>
-              <a:rPr lang="ko-KR" altLang="en-US"/>
-              <a:t>자료실 </a:t>
-            </a:r>
-            <a:r>
-              <a:rPr lang="en-US" altLang="ko-KR"/>
-              <a:t>7</a:t>
-            </a:r>
-            <a:r>
-              <a:rPr lang="ko-KR" altLang="en-US"/>
-              <a:t>번 글</a:t>
-            </a:r>
-            <a:endParaRPr lang="en-US" altLang="ko-KR"/>
+            <a:endParaRPr lang="en-US" altLang="ko-KR" dirty="0"/>
+          </a:p>
+          <a:p>
+            <a:r>
+              <a:rPr lang="en-US" altLang="ko-KR" dirty="0" err="1"/>
+              <a:t>KeyLock</a:t>
+            </a:r>
+            <a:r>
+              <a:rPr lang="en-US" altLang="ko-KR" dirty="0"/>
+              <a:t> </a:t>
+            </a:r>
+            <a:r>
+              <a:rPr lang="ko-KR" altLang="en-US" dirty="0"/>
+              <a:t>납품</a:t>
+            </a:r>
+            <a:endParaRPr lang="en-US" altLang="ko-KR" dirty="0"/>
           </a:p>
           <a:p>
             <a:pPr lvl="1"/>
-            <a:endParaRPr lang="en-US" altLang="ko-KR"/>
-          </a:p>
-          <a:p>
-            <a:r>
-              <a:rPr lang="en-US" altLang="ko-KR"/>
-              <a:t>KeyLock </a:t>
-            </a:r>
-            <a:r>
-              <a:rPr lang="ko-KR" altLang="en-US"/>
-              <a:t>납품</a:t>
-            </a:r>
-            <a:endParaRPr lang="en-US" altLang="ko-KR"/>
+            <a:r>
+              <a:rPr lang="en-US" altLang="ko-KR" dirty="0" err="1"/>
+              <a:t>UbiGEM</a:t>
+            </a:r>
+            <a:r>
+              <a:rPr lang="ko-KR" altLang="en-US" dirty="0"/>
+              <a:t>과 </a:t>
+            </a:r>
+            <a:r>
+              <a:rPr lang="en-US" altLang="ko-KR" dirty="0" err="1"/>
+              <a:t>UbiGEM.PAC</a:t>
+            </a:r>
+            <a:r>
+              <a:rPr lang="en-US" altLang="ko-KR" dirty="0"/>
+              <a:t> </a:t>
+            </a:r>
+            <a:r>
+              <a:rPr lang="ko-KR" altLang="en-US" dirty="0"/>
+              <a:t>구매 요청이 올 경우 본사 </a:t>
+            </a:r>
+            <a:r>
+              <a:rPr lang="ko-KR" altLang="en-US" dirty="0" err="1"/>
+              <a:t>장석주</a:t>
+            </a:r>
+            <a:r>
+              <a:rPr lang="ko-KR" altLang="en-US" dirty="0"/>
+              <a:t> 부장님 연락처 송부</a:t>
+            </a:r>
+            <a:endParaRPr lang="en-US" altLang="ko-KR" dirty="0"/>
           </a:p>
           <a:p>
             <a:pPr lvl="1"/>
             <a:r>
-              <a:rPr lang="en-US" altLang="ko-KR"/>
-              <a:t>UbiGEM</a:t>
-            </a:r>
-            <a:r>
-              <a:rPr lang="ko-KR" altLang="en-US"/>
-              <a:t>과 </a:t>
-            </a:r>
-            <a:r>
-              <a:rPr lang="en-US" altLang="ko-KR"/>
-              <a:t>UbiGEM.PAC </a:t>
-            </a:r>
-            <a:r>
-              <a:rPr lang="ko-KR" altLang="en-US"/>
-              <a:t>구매 요청이 올 경우 본사 장석주 부장님 연락처 송부</a:t>
-            </a:r>
-            <a:endParaRPr lang="en-US" altLang="ko-KR"/>
-          </a:p>
-          <a:p>
-            <a:pPr lvl="1"/>
-            <a:r>
-              <a:rPr lang="ko-KR" altLang="en-US"/>
-              <a:t>고객사에서 발주서 수신 시 장석주 부장님이 </a:t>
-            </a:r>
-            <a:r>
-              <a:rPr lang="en-US" altLang="ko-KR"/>
-              <a:t>KeyLock </a:t>
-            </a:r>
-            <a:r>
-              <a:rPr lang="ko-KR" altLang="en-US"/>
+              <a:rPr lang="ko-KR" altLang="en-US" dirty="0"/>
+              <a:t>고객사에서 발주서 수신 시 </a:t>
+            </a:r>
+            <a:r>
+              <a:rPr lang="ko-KR" altLang="en-US" dirty="0" err="1"/>
+              <a:t>장석주</a:t>
+            </a:r>
+            <a:r>
+              <a:rPr lang="ko-KR" altLang="en-US" dirty="0"/>
+              <a:t> 부장님이 </a:t>
+            </a:r>
+            <a:r>
+              <a:rPr lang="en-US" altLang="ko-KR" dirty="0" err="1"/>
+              <a:t>KeyLock</a:t>
+            </a:r>
+            <a:r>
+              <a:rPr lang="en-US" altLang="ko-KR" dirty="0"/>
+              <a:t> </a:t>
+            </a:r>
+            <a:r>
+              <a:rPr lang="ko-KR" altLang="en-US" dirty="0"/>
               <a:t>생성하여 택배 발송</a:t>
             </a:r>
           </a:p>
